--- a/Figures/Source/EvalOverview.pptx
+++ b/Figures/Source/EvalOverview.pptx
@@ -115,6 +115,35 @@
 </p:presentation>
 </file>
 
+<file path=ppt/changesInfos/changesInfo1.xml><?xml version="1.0" encoding="utf-8"?>
+<pc:chgInfo xmlns:a="http://schemas.openxmlformats.org/drawingml/2006/main" xmlns:r="http://schemas.openxmlformats.org/officeDocument/2006/relationships" xmlns:ac="http://schemas.microsoft.com/office/drawing/2013/main/command" xmlns:pc="http://schemas.microsoft.com/office/powerpoint/2013/main/command">
+  <pc:docChgLst>
+    <pc:chgData name="MARIA DEL MAR ZAMORANO LOPEZ" userId="097cf9e1-82d2-49cc-90a4-6ebf540ba52d" providerId="ADAL" clId="{07578757-E3B0-427B-A974-D88C530F6C04}"/>
+    <pc:docChg chg="modSld">
+      <pc:chgData name="MARIA DEL MAR ZAMORANO LOPEZ" userId="097cf9e1-82d2-49cc-90a4-6ebf540ba52d" providerId="ADAL" clId="{07578757-E3B0-427B-A974-D88C530F6C04}" dt="2024-02-09T10:27:00.489" v="4" actId="20577"/>
+      <pc:docMkLst>
+        <pc:docMk/>
+      </pc:docMkLst>
+      <pc:sldChg chg="modSp mod">
+        <pc:chgData name="MARIA DEL MAR ZAMORANO LOPEZ" userId="097cf9e1-82d2-49cc-90a4-6ebf540ba52d" providerId="ADAL" clId="{07578757-E3B0-427B-A974-D88C530F6C04}" dt="2024-02-09T10:27:00.489" v="4" actId="20577"/>
+        <pc:sldMkLst>
+          <pc:docMk/>
+          <pc:sldMk cId="3658164257" sldId="256"/>
+        </pc:sldMkLst>
+        <pc:spChg chg="mod">
+          <ac:chgData name="MARIA DEL MAR ZAMORANO LOPEZ" userId="097cf9e1-82d2-49cc-90a4-6ebf540ba52d" providerId="ADAL" clId="{07578757-E3B0-427B-A974-D88C530F6C04}" dt="2024-02-09T10:27:00.489" v="4" actId="20577"/>
+          <ac:spMkLst>
+            <pc:docMk/>
+            <pc:sldMk cId="3658164257" sldId="256"/>
+            <ac:spMk id="12" creationId="{A8DD95E9-88E2-C00A-BB01-31F5F6223090}"/>
+          </ac:spMkLst>
+        </pc:spChg>
+      </pc:sldChg>
+    </pc:docChg>
+  </pc:docChgLst>
+</pc:chgInfo>
+</file>
+
 <file path=ppt/notesMasters/notesMaster1.xml><?xml version="1.0" encoding="utf-8"?>
 <p:notesMaster xmlns:a="http://schemas.openxmlformats.org/drawingml/2006/main" xmlns:r="http://schemas.openxmlformats.org/officeDocument/2006/relationships" xmlns:p="http://schemas.openxmlformats.org/presentationml/2006/main">
   <p:cSld>
@@ -197,7 +226,7 @@
           <a:p>
             <a:fld id="{DF02CEB3-3E1C-3B42-9393-9438C87B4D28}" type="datetimeFigureOut">
               <a:rPr lang="en-ES" smtClean="0"/>
-              <a:t>24/1/24</a:t>
+              <a:t>02/09/2024</a:t>
             </a:fld>
             <a:endParaRPr lang="en-ES"/>
           </a:p>
@@ -356,7 +385,7 @@
           <a:p>
             <a:fld id="{441A23DB-541A-AB4E-AA72-293AB1AC2F6A}" type="slidenum">
               <a:rPr lang="en-ES" smtClean="0"/>
-              <a:t>‹#›</a:t>
+              <a:t>‹Nº›</a:t>
             </a:fld>
             <a:endParaRPr lang="en-ES"/>
           </a:p>
@@ -698,7 +727,7 @@
           <a:p>
             <a:fld id="{0ECD2C85-2AD5-4641-9D53-3C0338846DEC}" type="datetimeFigureOut">
               <a:rPr lang="en-ES" smtClean="0"/>
-              <a:t>24/1/24</a:t>
+              <a:t>02/09/2024</a:t>
             </a:fld>
             <a:endParaRPr lang="en-ES"/>
           </a:p>
@@ -752,7 +781,7 @@
           <a:p>
             <a:fld id="{7069D57A-3E02-0440-A41F-598D6DCD4739}" type="slidenum">
               <a:rPr lang="en-ES" smtClean="0"/>
-              <a:t>‹#›</a:t>
+              <a:t>‹Nº›</a:t>
             </a:fld>
             <a:endParaRPr lang="en-ES"/>
           </a:p>
@@ -898,7 +927,7 @@
           <a:p>
             <a:fld id="{0ECD2C85-2AD5-4641-9D53-3C0338846DEC}" type="datetimeFigureOut">
               <a:rPr lang="en-ES" smtClean="0"/>
-              <a:t>24/1/24</a:t>
+              <a:t>02/09/2024</a:t>
             </a:fld>
             <a:endParaRPr lang="en-ES"/>
           </a:p>
@@ -952,7 +981,7 @@
           <a:p>
             <a:fld id="{7069D57A-3E02-0440-A41F-598D6DCD4739}" type="slidenum">
               <a:rPr lang="en-ES" smtClean="0"/>
-              <a:t>‹#›</a:t>
+              <a:t>‹Nº›</a:t>
             </a:fld>
             <a:endParaRPr lang="en-ES"/>
           </a:p>
@@ -1108,7 +1137,7 @@
           <a:p>
             <a:fld id="{0ECD2C85-2AD5-4641-9D53-3C0338846DEC}" type="datetimeFigureOut">
               <a:rPr lang="en-ES" smtClean="0"/>
-              <a:t>24/1/24</a:t>
+              <a:t>02/09/2024</a:t>
             </a:fld>
             <a:endParaRPr lang="en-ES"/>
           </a:p>
@@ -1162,7 +1191,7 @@
           <a:p>
             <a:fld id="{7069D57A-3E02-0440-A41F-598D6DCD4739}" type="slidenum">
               <a:rPr lang="en-ES" smtClean="0"/>
-              <a:t>‹#›</a:t>
+              <a:t>‹Nº›</a:t>
             </a:fld>
             <a:endParaRPr lang="en-ES"/>
           </a:p>
@@ -1308,7 +1337,7 @@
           <a:p>
             <a:fld id="{0ECD2C85-2AD5-4641-9D53-3C0338846DEC}" type="datetimeFigureOut">
               <a:rPr lang="en-ES" smtClean="0"/>
-              <a:t>24/1/24</a:t>
+              <a:t>02/09/2024</a:t>
             </a:fld>
             <a:endParaRPr lang="en-ES"/>
           </a:p>
@@ -1362,7 +1391,7 @@
           <a:p>
             <a:fld id="{7069D57A-3E02-0440-A41F-598D6DCD4739}" type="slidenum">
               <a:rPr lang="en-ES" smtClean="0"/>
-              <a:t>‹#›</a:t>
+              <a:t>‹Nº›</a:t>
             </a:fld>
             <a:endParaRPr lang="en-ES"/>
           </a:p>
@@ -1584,7 +1613,7 @@
           <a:p>
             <a:fld id="{0ECD2C85-2AD5-4641-9D53-3C0338846DEC}" type="datetimeFigureOut">
               <a:rPr lang="en-ES" smtClean="0"/>
-              <a:t>24/1/24</a:t>
+              <a:t>02/09/2024</a:t>
             </a:fld>
             <a:endParaRPr lang="en-ES"/>
           </a:p>
@@ -1638,7 +1667,7 @@
           <a:p>
             <a:fld id="{7069D57A-3E02-0440-A41F-598D6DCD4739}" type="slidenum">
               <a:rPr lang="en-ES" smtClean="0"/>
-              <a:t>‹#›</a:t>
+              <a:t>‹Nº›</a:t>
             </a:fld>
             <a:endParaRPr lang="en-ES"/>
           </a:p>
@@ -1852,7 +1881,7 @@
           <a:p>
             <a:fld id="{0ECD2C85-2AD5-4641-9D53-3C0338846DEC}" type="datetimeFigureOut">
               <a:rPr lang="en-ES" smtClean="0"/>
-              <a:t>24/1/24</a:t>
+              <a:t>02/09/2024</a:t>
             </a:fld>
             <a:endParaRPr lang="en-ES"/>
           </a:p>
@@ -1906,7 +1935,7 @@
           <a:p>
             <a:fld id="{7069D57A-3E02-0440-A41F-598D6DCD4739}" type="slidenum">
               <a:rPr lang="en-ES" smtClean="0"/>
-              <a:t>‹#›</a:t>
+              <a:t>‹Nº›</a:t>
             </a:fld>
             <a:endParaRPr lang="en-ES"/>
           </a:p>
@@ -2267,7 +2296,7 @@
           <a:p>
             <a:fld id="{0ECD2C85-2AD5-4641-9D53-3C0338846DEC}" type="datetimeFigureOut">
               <a:rPr lang="en-ES" smtClean="0"/>
-              <a:t>24/1/24</a:t>
+              <a:t>02/09/2024</a:t>
             </a:fld>
             <a:endParaRPr lang="en-ES"/>
           </a:p>
@@ -2321,7 +2350,7 @@
           <a:p>
             <a:fld id="{7069D57A-3E02-0440-A41F-598D6DCD4739}" type="slidenum">
               <a:rPr lang="en-ES" smtClean="0"/>
-              <a:t>‹#›</a:t>
+              <a:t>‹Nº›</a:t>
             </a:fld>
             <a:endParaRPr lang="en-ES"/>
           </a:p>
@@ -2409,7 +2438,7 @@
           <a:p>
             <a:fld id="{0ECD2C85-2AD5-4641-9D53-3C0338846DEC}" type="datetimeFigureOut">
               <a:rPr lang="en-ES" smtClean="0"/>
-              <a:t>24/1/24</a:t>
+              <a:t>02/09/2024</a:t>
             </a:fld>
             <a:endParaRPr lang="en-ES"/>
           </a:p>
@@ -2463,7 +2492,7 @@
           <a:p>
             <a:fld id="{7069D57A-3E02-0440-A41F-598D6DCD4739}" type="slidenum">
               <a:rPr lang="en-ES" smtClean="0"/>
-              <a:t>‹#›</a:t>
+              <a:t>‹Nº›</a:t>
             </a:fld>
             <a:endParaRPr lang="en-ES"/>
           </a:p>
@@ -2522,7 +2551,7 @@
           <a:p>
             <a:fld id="{0ECD2C85-2AD5-4641-9D53-3C0338846DEC}" type="datetimeFigureOut">
               <a:rPr lang="en-ES" smtClean="0"/>
-              <a:t>24/1/24</a:t>
+              <a:t>02/09/2024</a:t>
             </a:fld>
             <a:endParaRPr lang="en-ES"/>
           </a:p>
@@ -2576,7 +2605,7 @@
           <a:p>
             <a:fld id="{7069D57A-3E02-0440-A41F-598D6DCD4739}" type="slidenum">
               <a:rPr lang="en-ES" smtClean="0"/>
-              <a:t>‹#›</a:t>
+              <a:t>‹Nº›</a:t>
             </a:fld>
             <a:endParaRPr lang="en-ES"/>
           </a:p>
@@ -2835,7 +2864,7 @@
           <a:p>
             <a:fld id="{0ECD2C85-2AD5-4641-9D53-3C0338846DEC}" type="datetimeFigureOut">
               <a:rPr lang="en-ES" smtClean="0"/>
-              <a:t>24/1/24</a:t>
+              <a:t>02/09/2024</a:t>
             </a:fld>
             <a:endParaRPr lang="en-ES"/>
           </a:p>
@@ -2889,7 +2918,7 @@
           <a:p>
             <a:fld id="{7069D57A-3E02-0440-A41F-598D6DCD4739}" type="slidenum">
               <a:rPr lang="en-ES" smtClean="0"/>
-              <a:t>‹#›</a:t>
+              <a:t>‹Nº›</a:t>
             </a:fld>
             <a:endParaRPr lang="en-ES"/>
           </a:p>
@@ -3124,7 +3153,7 @@
           <a:p>
             <a:fld id="{0ECD2C85-2AD5-4641-9D53-3C0338846DEC}" type="datetimeFigureOut">
               <a:rPr lang="en-ES" smtClean="0"/>
-              <a:t>24/1/24</a:t>
+              <a:t>02/09/2024</a:t>
             </a:fld>
             <a:endParaRPr lang="en-ES"/>
           </a:p>
@@ -3178,7 +3207,7 @@
           <a:p>
             <a:fld id="{7069D57A-3E02-0440-A41F-598D6DCD4739}" type="slidenum">
               <a:rPr lang="en-ES" smtClean="0"/>
-              <a:t>‹#›</a:t>
+              <a:t>‹Nº›</a:t>
             </a:fld>
             <a:endParaRPr lang="en-ES"/>
           </a:p>
@@ -3367,7 +3396,7 @@
           <a:p>
             <a:fld id="{0ECD2C85-2AD5-4641-9D53-3C0338846DEC}" type="datetimeFigureOut">
               <a:rPr lang="en-ES" smtClean="0"/>
-              <a:t>24/1/24</a:t>
+              <a:t>02/09/2024</a:t>
             </a:fld>
             <a:endParaRPr lang="en-ES"/>
           </a:p>
@@ -3457,7 +3486,7 @@
           <a:p>
             <a:fld id="{7069D57A-3E02-0440-A41F-598D6DCD4739}" type="slidenum">
               <a:rPr lang="en-ES" smtClean="0"/>
-              <a:t>‹#›</a:t>
+              <a:t>‹Nº›</a:t>
             </a:fld>
             <a:endParaRPr lang="en-ES"/>
           </a:p>
@@ -4295,13 +4324,18 @@
           <a:p>
             <a:pPr algn="ctr"/>
             <a:r>
-              <a:rPr lang="en-ES" b="1" dirty="0">
+              <a:rPr lang="es-ES" b="1" dirty="0">
                 <a:solidFill>
                   <a:schemeClr val="tx1"/>
                 </a:solidFill>
               </a:rPr>
-              <a:t>Baseline</a:t>
-            </a:r>
+              <a:t>SBPCG</a:t>
+            </a:r>
+            <a:endParaRPr lang="en-ES" b="1" dirty="0">
+              <a:solidFill>
+                <a:schemeClr val="tx1"/>
+              </a:solidFill>
+            </a:endParaRPr>
           </a:p>
         </p:txBody>
       </p:sp>
